--- a/Images/template.pptx
+++ b/Images/template.pptx
@@ -262,7 +262,7 @@
           <a:p>
             <a:fld id="{937E6D32-4C03-264D-8FDB-034DA7582E3B}" type="datetimeFigureOut">
               <a:rPr lang="en-US" smtClean="0"/>
-              <a:t>8/27/19</a:t>
+              <a:t>9/21/2021</a:t>
             </a:fld>
             <a:endParaRPr lang="en-US"/>
           </a:p>
@@ -460,7 +460,7 @@
           <a:p>
             <a:fld id="{937E6D32-4C03-264D-8FDB-034DA7582E3B}" type="datetimeFigureOut">
               <a:rPr lang="en-US" smtClean="0"/>
-              <a:t>8/27/19</a:t>
+              <a:t>9/21/2021</a:t>
             </a:fld>
             <a:endParaRPr lang="en-US"/>
           </a:p>
@@ -668,7 +668,7 @@
           <a:p>
             <a:fld id="{937E6D32-4C03-264D-8FDB-034DA7582E3B}" type="datetimeFigureOut">
               <a:rPr lang="en-US" smtClean="0"/>
-              <a:t>8/27/19</a:t>
+              <a:t>9/21/2021</a:t>
             </a:fld>
             <a:endParaRPr lang="en-US"/>
           </a:p>
@@ -866,7 +866,7 @@
           <a:p>
             <a:fld id="{937E6D32-4C03-264D-8FDB-034DA7582E3B}" type="datetimeFigureOut">
               <a:rPr lang="en-US" smtClean="0"/>
-              <a:t>8/27/19</a:t>
+              <a:t>9/21/2021</a:t>
             </a:fld>
             <a:endParaRPr lang="en-US"/>
           </a:p>
@@ -1141,7 +1141,7 @@
           <a:p>
             <a:fld id="{937E6D32-4C03-264D-8FDB-034DA7582E3B}" type="datetimeFigureOut">
               <a:rPr lang="en-US" smtClean="0"/>
-              <a:t>8/27/19</a:t>
+              <a:t>9/21/2021</a:t>
             </a:fld>
             <a:endParaRPr lang="en-US"/>
           </a:p>
@@ -1406,7 +1406,7 @@
           <a:p>
             <a:fld id="{937E6D32-4C03-264D-8FDB-034DA7582E3B}" type="datetimeFigureOut">
               <a:rPr lang="en-US" smtClean="0"/>
-              <a:t>8/27/19</a:t>
+              <a:t>9/21/2021</a:t>
             </a:fld>
             <a:endParaRPr lang="en-US"/>
           </a:p>
@@ -1818,7 +1818,7 @@
           <a:p>
             <a:fld id="{937E6D32-4C03-264D-8FDB-034DA7582E3B}" type="datetimeFigureOut">
               <a:rPr lang="en-US" smtClean="0"/>
-              <a:t>8/27/19</a:t>
+              <a:t>9/21/2021</a:t>
             </a:fld>
             <a:endParaRPr lang="en-US"/>
           </a:p>
@@ -1959,7 +1959,7 @@
           <a:p>
             <a:fld id="{937E6D32-4C03-264D-8FDB-034DA7582E3B}" type="datetimeFigureOut">
               <a:rPr lang="en-US" smtClean="0"/>
-              <a:t>8/27/19</a:t>
+              <a:t>9/21/2021</a:t>
             </a:fld>
             <a:endParaRPr lang="en-US"/>
           </a:p>
@@ -2072,7 +2072,7 @@
           <a:p>
             <a:fld id="{937E6D32-4C03-264D-8FDB-034DA7582E3B}" type="datetimeFigureOut">
               <a:rPr lang="en-US" smtClean="0"/>
-              <a:t>8/27/19</a:t>
+              <a:t>9/21/2021</a:t>
             </a:fld>
             <a:endParaRPr lang="en-US"/>
           </a:p>
@@ -2383,7 +2383,7 @@
           <a:p>
             <a:fld id="{937E6D32-4C03-264D-8FDB-034DA7582E3B}" type="datetimeFigureOut">
               <a:rPr lang="en-US" smtClean="0"/>
-              <a:t>8/27/19</a:t>
+              <a:t>9/21/2021</a:t>
             </a:fld>
             <a:endParaRPr lang="en-US"/>
           </a:p>
@@ -2671,7 +2671,7 @@
           <a:p>
             <a:fld id="{937E6D32-4C03-264D-8FDB-034DA7582E3B}" type="datetimeFigureOut">
               <a:rPr lang="en-US" smtClean="0"/>
-              <a:t>8/27/19</a:t>
+              <a:t>9/21/2021</a:t>
             </a:fld>
             <a:endParaRPr lang="en-US"/>
           </a:p>
@@ -2837,35 +2837,35 @@
           <a:p>
             <a:pPr lvl="0"/>
             <a:r>
-              <a:rPr lang="en-US"/>
+              <a:rPr lang="en-US" dirty="0"/>
               <a:t>Click to edit Master text styles</a:t>
             </a:r>
           </a:p>
           <a:p>
             <a:pPr lvl="1"/>
             <a:r>
-              <a:rPr lang="en-US"/>
+              <a:rPr lang="en-US" dirty="0"/>
               <a:t>Second level</a:t>
             </a:r>
           </a:p>
           <a:p>
             <a:pPr lvl="2"/>
             <a:r>
-              <a:rPr lang="en-US"/>
+              <a:rPr lang="en-US" dirty="0"/>
               <a:t>Third level</a:t>
             </a:r>
           </a:p>
           <a:p>
             <a:pPr lvl="3"/>
             <a:r>
-              <a:rPr lang="en-US"/>
+              <a:rPr lang="en-US" dirty="0"/>
               <a:t>Fourth level</a:t>
             </a:r>
           </a:p>
           <a:p>
             <a:pPr lvl="4"/>
             <a:r>
-              <a:rPr lang="en-US"/>
+              <a:rPr lang="en-US" dirty="0"/>
               <a:t>Fifth level</a:t>
             </a:r>
           </a:p>
@@ -2912,7 +2912,7 @@
           <a:p>
             <a:fld id="{937E6D32-4C03-264D-8FDB-034DA7582E3B}" type="datetimeFigureOut">
               <a:rPr lang="en-US" smtClean="0"/>
-              <a:t>8/27/19</a:t>
+              <a:t>9/21/2021</a:t>
             </a:fld>
             <a:endParaRPr lang="en-US"/>
           </a:p>
@@ -3050,7 +3050,7 @@
       </a:lvl1pPr>
     </p:titleStyle>
     <p:bodyStyle>
-      <a:lvl1pPr marL="228600" indent="-228600" algn="l" defTabSz="914400" rtl="0" eaLnBrk="1" latinLnBrk="0" hangingPunct="1">
+      <a:lvl1pPr marL="1144800" indent="-228600" algn="l" defTabSz="914400" rtl="0" eaLnBrk="1" latinLnBrk="0" hangingPunct="1">
         <a:lnSpc>
           <a:spcPct val="90000"/>
         </a:lnSpc>
@@ -3059,7 +3059,7 @@
         </a:spcBef>
         <a:buFont typeface="Arial" panose="020B0604020202020204" pitchFamily="34" charset="0"/>
         <a:buChar char="•"/>
-        <a:defRPr sz="2800" kern="1200">
+        <a:defRPr sz="1800" kern="1200">
           <a:solidFill>
             <a:schemeClr val="tx1"/>
           </a:solidFill>
@@ -3077,7 +3077,7 @@
         </a:spcBef>
         <a:buFont typeface="Arial" panose="020B0604020202020204" pitchFamily="34" charset="0"/>
         <a:buChar char="•"/>
-        <a:defRPr sz="2400" kern="1200">
+        <a:defRPr sz="2300" kern="1200">
           <a:solidFill>
             <a:schemeClr val="tx1"/>
           </a:solidFill>

--- a/Images/template.pptx
+++ b/Images/template.pptx
@@ -115,6 +115,43 @@
 </p:presentation>
 </file>
 
+<file path=ppt/revisionInfo.xml><?xml version="1.0" encoding="utf-8"?>
+<p1510:revInfo xmlns:a="http://schemas.openxmlformats.org/drawingml/2006/main" xmlns:r="http://schemas.openxmlformats.org/officeDocument/2006/relationships" xmlns:p1510="http://schemas.microsoft.com/office/powerpoint/2015/10/main">
+  <p1510:revLst>
+    <p1510:client id="{99A65AE2-D1ED-48CB-B96E-8D4E7F8DED22}" v="6" dt="2022-10-09T12:05:03.892"/>
+  </p1510:revLst>
+</p1510:revInfo>
+</file>
+
+<file path=ppt/changesInfos/changesInfo1.xml><?xml version="1.0" encoding="utf-8"?>
+<pc:chgInfo xmlns:a="http://schemas.openxmlformats.org/drawingml/2006/main" xmlns:r="http://schemas.openxmlformats.org/officeDocument/2006/relationships" xmlns:ac="http://schemas.microsoft.com/office/drawing/2013/main/command" xmlns:pc="http://schemas.microsoft.com/office/powerpoint/2013/main/command">
+  <pc:docChgLst>
+    <pc:chgData name="Reynolds, Regina" userId="2652d5c2-0505-448f-95c7-d32f44f13439" providerId="ADAL" clId="{99A65AE2-D1ED-48CB-B96E-8D4E7F8DED22}"/>
+    <pc:docChg chg="modMainMaster">
+      <pc:chgData name="Reynolds, Regina" userId="2652d5c2-0505-448f-95c7-d32f44f13439" providerId="ADAL" clId="{99A65AE2-D1ED-48CB-B96E-8D4E7F8DED22}" dt="2022-10-09T12:05:03.892" v="4" actId="404"/>
+      <pc:docMkLst>
+        <pc:docMk/>
+      </pc:docMkLst>
+      <pc:sldMasterChg chg="modSp">
+        <pc:chgData name="Reynolds, Regina" userId="2652d5c2-0505-448f-95c7-d32f44f13439" providerId="ADAL" clId="{99A65AE2-D1ED-48CB-B96E-8D4E7F8DED22}" dt="2022-10-09T12:05:03.892" v="4" actId="404"/>
+        <pc:sldMasterMkLst>
+          <pc:docMk/>
+          <pc:sldMasterMk cId="1103004113" sldId="2147483648"/>
+        </pc:sldMasterMkLst>
+        <pc:spChg chg="mod">
+          <ac:chgData name="Reynolds, Regina" userId="2652d5c2-0505-448f-95c7-d32f44f13439" providerId="ADAL" clId="{99A65AE2-D1ED-48CB-B96E-8D4E7F8DED22}" dt="2022-10-09T12:05:03.892" v="4" actId="404"/>
+          <ac:spMkLst>
+            <pc:docMk/>
+            <pc:sldMasterMk cId="1103004113" sldId="2147483648"/>
+            <ac:spMk id="3" creationId="{7CCAB061-79B5-4A4B-9136-7AD1C74E05A4}"/>
+          </ac:spMkLst>
+        </pc:spChg>
+      </pc:sldMasterChg>
+    </pc:docChg>
+  </pc:docChgLst>
+</pc:chgInfo>
+</file>
+
 <file path=ppt/slideLayouts/slideLayout1.xml><?xml version="1.0" encoding="utf-8"?>
 <p:sldLayout xmlns:a="http://schemas.openxmlformats.org/drawingml/2006/main" xmlns:r="http://schemas.openxmlformats.org/officeDocument/2006/relationships" xmlns:p="http://schemas.openxmlformats.org/presentationml/2006/main" type="title" preserve="1">
   <p:cSld name="Title Slide">
@@ -262,7 +299,7 @@
           <a:p>
             <a:fld id="{937E6D32-4C03-264D-8FDB-034DA7582E3B}" type="datetimeFigureOut">
               <a:rPr lang="en-US" smtClean="0"/>
-              <a:t>9/21/2021</a:t>
+              <a:t>10/9/2022</a:t>
             </a:fld>
             <a:endParaRPr lang="en-US"/>
           </a:p>
@@ -460,7 +497,7 @@
           <a:p>
             <a:fld id="{937E6D32-4C03-264D-8FDB-034DA7582E3B}" type="datetimeFigureOut">
               <a:rPr lang="en-US" smtClean="0"/>
-              <a:t>9/21/2021</a:t>
+              <a:t>10/9/2022</a:t>
             </a:fld>
             <a:endParaRPr lang="en-US"/>
           </a:p>
@@ -668,7 +705,7 @@
           <a:p>
             <a:fld id="{937E6D32-4C03-264D-8FDB-034DA7582E3B}" type="datetimeFigureOut">
               <a:rPr lang="en-US" smtClean="0"/>
-              <a:t>9/21/2021</a:t>
+              <a:t>10/9/2022</a:t>
             </a:fld>
             <a:endParaRPr lang="en-US"/>
           </a:p>
@@ -866,7 +903,7 @@
           <a:p>
             <a:fld id="{937E6D32-4C03-264D-8FDB-034DA7582E3B}" type="datetimeFigureOut">
               <a:rPr lang="en-US" smtClean="0"/>
-              <a:t>9/21/2021</a:t>
+              <a:t>10/9/2022</a:t>
             </a:fld>
             <a:endParaRPr lang="en-US"/>
           </a:p>
@@ -1141,7 +1178,7 @@
           <a:p>
             <a:fld id="{937E6D32-4C03-264D-8FDB-034DA7582E3B}" type="datetimeFigureOut">
               <a:rPr lang="en-US" smtClean="0"/>
-              <a:t>9/21/2021</a:t>
+              <a:t>10/9/2022</a:t>
             </a:fld>
             <a:endParaRPr lang="en-US"/>
           </a:p>
@@ -1406,7 +1443,7 @@
           <a:p>
             <a:fld id="{937E6D32-4C03-264D-8FDB-034DA7582E3B}" type="datetimeFigureOut">
               <a:rPr lang="en-US" smtClean="0"/>
-              <a:t>9/21/2021</a:t>
+              <a:t>10/9/2022</a:t>
             </a:fld>
             <a:endParaRPr lang="en-US"/>
           </a:p>
@@ -1818,7 +1855,7 @@
           <a:p>
             <a:fld id="{937E6D32-4C03-264D-8FDB-034DA7582E3B}" type="datetimeFigureOut">
               <a:rPr lang="en-US" smtClean="0"/>
-              <a:t>9/21/2021</a:t>
+              <a:t>10/9/2022</a:t>
             </a:fld>
             <a:endParaRPr lang="en-US"/>
           </a:p>
@@ -1959,7 +1996,7 @@
           <a:p>
             <a:fld id="{937E6D32-4C03-264D-8FDB-034DA7582E3B}" type="datetimeFigureOut">
               <a:rPr lang="en-US" smtClean="0"/>
-              <a:t>9/21/2021</a:t>
+              <a:t>10/9/2022</a:t>
             </a:fld>
             <a:endParaRPr lang="en-US"/>
           </a:p>
@@ -2072,7 +2109,7 @@
           <a:p>
             <a:fld id="{937E6D32-4C03-264D-8FDB-034DA7582E3B}" type="datetimeFigureOut">
               <a:rPr lang="en-US" smtClean="0"/>
-              <a:t>9/21/2021</a:t>
+              <a:t>10/9/2022</a:t>
             </a:fld>
             <a:endParaRPr lang="en-US"/>
           </a:p>
@@ -2383,7 +2420,7 @@
           <a:p>
             <a:fld id="{937E6D32-4C03-264D-8FDB-034DA7582E3B}" type="datetimeFigureOut">
               <a:rPr lang="en-US" smtClean="0"/>
-              <a:t>9/21/2021</a:t>
+              <a:t>10/9/2022</a:t>
             </a:fld>
             <a:endParaRPr lang="en-US"/>
           </a:p>
@@ -2671,7 +2708,7 @@
           <a:p>
             <a:fld id="{937E6D32-4C03-264D-8FDB-034DA7582E3B}" type="datetimeFigureOut">
               <a:rPr lang="en-US" smtClean="0"/>
-              <a:t>9/21/2021</a:t>
+              <a:t>10/9/2022</a:t>
             </a:fld>
             <a:endParaRPr lang="en-US"/>
           </a:p>
@@ -2912,7 +2949,7 @@
           <a:p>
             <a:fld id="{937E6D32-4C03-264D-8FDB-034DA7582E3B}" type="datetimeFigureOut">
               <a:rPr lang="en-US" smtClean="0"/>
-              <a:t>9/21/2021</a:t>
+              <a:t>10/9/2022</a:t>
             </a:fld>
             <a:endParaRPr lang="en-US"/>
           </a:p>
@@ -3050,16 +3087,16 @@
       </a:lvl1pPr>
     </p:titleStyle>
     <p:bodyStyle>
-      <a:lvl1pPr marL="1144800" indent="-228600" algn="l" defTabSz="914400" rtl="0" eaLnBrk="1" latinLnBrk="0" hangingPunct="1">
+      <a:lvl1pPr marL="230400" indent="-228600" algn="l" defTabSz="914400" rtl="0" eaLnBrk="1" latinLnBrk="0" hangingPunct="1">
         <a:lnSpc>
           <a:spcPct val="90000"/>
         </a:lnSpc>
         <a:spcBef>
-          <a:spcPts val="1000"/>
+          <a:spcPts val="500"/>
         </a:spcBef>
         <a:buFont typeface="Arial" panose="020B0604020202020204" pitchFamily="34" charset="0"/>
         <a:buChar char="•"/>
-        <a:defRPr sz="1800" kern="1200">
+        <a:defRPr sz="2000" kern="1200">
           <a:solidFill>
             <a:schemeClr val="tx1"/>
           </a:solidFill>
@@ -3077,7 +3114,7 @@
         </a:spcBef>
         <a:buFont typeface="Arial" panose="020B0604020202020204" pitchFamily="34" charset="0"/>
         <a:buChar char="•"/>
-        <a:defRPr sz="2300" kern="1200">
+        <a:defRPr sz="1800" kern="1200">
           <a:solidFill>
             <a:schemeClr val="tx1"/>
           </a:solidFill>
@@ -3095,7 +3132,7 @@
         </a:spcBef>
         <a:buFont typeface="Arial" panose="020B0604020202020204" pitchFamily="34" charset="0"/>
         <a:buChar char="•"/>
-        <a:defRPr sz="2000" kern="1200">
+        <a:defRPr sz="1800" kern="1200">
           <a:solidFill>
             <a:schemeClr val="tx1"/>
           </a:solidFill>
@@ -3113,7 +3150,7 @@
         </a:spcBef>
         <a:buFont typeface="Arial" panose="020B0604020202020204" pitchFamily="34" charset="0"/>
         <a:buChar char="•"/>
-        <a:defRPr sz="1800" kern="1200">
+        <a:defRPr sz="1600" kern="1200">
           <a:solidFill>
             <a:schemeClr val="tx1"/>
           </a:solidFill>
@@ -3131,7 +3168,7 @@
         </a:spcBef>
         <a:buFont typeface="Arial" panose="020B0604020202020204" pitchFamily="34" charset="0"/>
         <a:buChar char="•"/>
-        <a:defRPr sz="1800" kern="1200">
+        <a:defRPr sz="1600" kern="1200">
           <a:solidFill>
             <a:schemeClr val="tx1"/>
           </a:solidFill>
